--- a/有一天.pptx
+++ b/有一天.pptx
@@ -10,7 +10,7 @@
     <p:sldId id="258" r:id="rId4"/>
     <p:sldId id="259" r:id="rId5"/>
   </p:sldIdLst>
-  <p:sldSz cx="9144000" cy="6858000" type="screen4x3"/>
+  <p:sldSz cx="9144000" cy="5143500" type="screen16x9"/>
   <p:notesSz cx="6858000" cy="9144000"/>
   <p:defaultTextStyle>
     <a:defPPr>
@@ -139,8 +139,8 @@
         </p:nvSpPr>
         <p:spPr>
           <a:xfrm>
-            <a:off x="685800" y="2130425"/>
-            <a:ext cx="7772400" cy="1470025"/>
+            <a:off x="685800" y="1597819"/>
+            <a:ext cx="7772400" cy="1102519"/>
           </a:xfrm>
         </p:spPr>
         <p:txBody>
@@ -167,8 +167,8 @@
         </p:nvSpPr>
         <p:spPr>
           <a:xfrm>
-            <a:off x="1371600" y="3886200"/>
-            <a:ext cx="6400800" cy="1752600"/>
+            <a:off x="1371600" y="2914650"/>
+            <a:ext cx="6400800" cy="1314450"/>
           </a:xfrm>
         </p:spPr>
         <p:txBody>
@@ -292,7 +292,7 @@
             <a:fld id="{B0B73D1D-ADB7-4076-8664-45AF167DA4E3}" type="datetimeFigureOut">
               <a:rPr lang="en-US" smtClean="0"/>
               <a:pPr/>
-              <a:t>2/10/2018</a:t>
+              <a:t>10/10/2019</a:t>
             </a:fld>
             <a:endParaRPr lang="en-US"/>
           </a:p>
@@ -459,7 +459,7 @@
             <a:fld id="{B0B73D1D-ADB7-4076-8664-45AF167DA4E3}" type="datetimeFigureOut">
               <a:rPr lang="en-US" smtClean="0"/>
               <a:pPr/>
-              <a:t>2/10/2018</a:t>
+              <a:t>10/10/2019</a:t>
             </a:fld>
             <a:endParaRPr lang="en-US"/>
           </a:p>
@@ -545,8 +545,8 @@
         </p:nvSpPr>
         <p:spPr>
           <a:xfrm>
-            <a:off x="6629400" y="274638"/>
-            <a:ext cx="2057400" cy="5851525"/>
+            <a:off x="6629400" y="205979"/>
+            <a:ext cx="2057400" cy="4388644"/>
           </a:xfrm>
         </p:spPr>
         <p:txBody>
@@ -573,8 +573,8 @@
         </p:nvSpPr>
         <p:spPr>
           <a:xfrm>
-            <a:off x="457200" y="274638"/>
-            <a:ext cx="6019800" cy="5851525"/>
+            <a:off x="457200" y="205979"/>
+            <a:ext cx="6019800" cy="4388644"/>
           </a:xfrm>
         </p:spPr>
         <p:txBody>
@@ -636,7 +636,7 @@
             <a:fld id="{B0B73D1D-ADB7-4076-8664-45AF167DA4E3}" type="datetimeFigureOut">
               <a:rPr lang="en-US" smtClean="0"/>
               <a:pPr/>
-              <a:t>2/10/2018</a:t>
+              <a:t>10/10/2019</a:t>
             </a:fld>
             <a:endParaRPr lang="en-US"/>
           </a:p>
@@ -803,7 +803,7 @@
             <a:fld id="{B0B73D1D-ADB7-4076-8664-45AF167DA4E3}" type="datetimeFigureOut">
               <a:rPr lang="en-US" smtClean="0"/>
               <a:pPr/>
-              <a:t>2/10/2018</a:t>
+              <a:t>10/10/2019</a:t>
             </a:fld>
             <a:endParaRPr lang="en-US"/>
           </a:p>
@@ -889,8 +889,8 @@
         </p:nvSpPr>
         <p:spPr>
           <a:xfrm>
-            <a:off x="722313" y="4406900"/>
-            <a:ext cx="7772400" cy="1362075"/>
+            <a:off x="722313" y="3305176"/>
+            <a:ext cx="7772400" cy="1021556"/>
           </a:xfrm>
         </p:spPr>
         <p:txBody>
@@ -921,8 +921,8 @@
         </p:nvSpPr>
         <p:spPr>
           <a:xfrm>
-            <a:off x="722313" y="2906713"/>
-            <a:ext cx="7772400" cy="1500187"/>
+            <a:off x="722313" y="2180035"/>
+            <a:ext cx="7772400" cy="1125140"/>
           </a:xfrm>
         </p:spPr>
         <p:txBody>
@@ -1046,7 +1046,7 @@
             <a:fld id="{B0B73D1D-ADB7-4076-8664-45AF167DA4E3}" type="datetimeFigureOut">
               <a:rPr lang="en-US" smtClean="0"/>
               <a:pPr/>
-              <a:t>2/10/2018</a:t>
+              <a:t>10/10/2019</a:t>
             </a:fld>
             <a:endParaRPr lang="en-US"/>
           </a:p>
@@ -1155,8 +1155,8 @@
         </p:nvSpPr>
         <p:spPr>
           <a:xfrm>
-            <a:off x="457200" y="1600200"/>
-            <a:ext cx="4038600" cy="4525963"/>
+            <a:off x="457200" y="1200151"/>
+            <a:ext cx="4038600" cy="3394472"/>
           </a:xfrm>
         </p:spPr>
         <p:txBody>
@@ -1240,8 +1240,8 @@
         </p:nvSpPr>
         <p:spPr>
           <a:xfrm>
-            <a:off x="4648200" y="1600200"/>
-            <a:ext cx="4038600" cy="4525963"/>
+            <a:off x="4648200" y="1200151"/>
+            <a:ext cx="4038600" cy="3394472"/>
           </a:xfrm>
         </p:spPr>
         <p:txBody>
@@ -1331,7 +1331,7 @@
             <a:fld id="{B0B73D1D-ADB7-4076-8664-45AF167DA4E3}" type="datetimeFigureOut">
               <a:rPr lang="en-US" smtClean="0"/>
               <a:pPr/>
-              <a:t>2/10/2018</a:t>
+              <a:t>10/10/2019</a:t>
             </a:fld>
             <a:endParaRPr lang="en-US"/>
           </a:p>
@@ -1444,8 +1444,8 @@
         </p:nvSpPr>
         <p:spPr>
           <a:xfrm>
-            <a:off x="457200" y="1535113"/>
-            <a:ext cx="4040188" cy="639762"/>
+            <a:off x="457200" y="1151335"/>
+            <a:ext cx="4040188" cy="479822"/>
           </a:xfrm>
         </p:spPr>
         <p:txBody>
@@ -1509,8 +1509,8 @@
         </p:nvSpPr>
         <p:spPr>
           <a:xfrm>
-            <a:off x="457200" y="2174875"/>
-            <a:ext cx="4040188" cy="3951288"/>
+            <a:off x="457200" y="1631156"/>
+            <a:ext cx="4040188" cy="2963466"/>
           </a:xfrm>
         </p:spPr>
         <p:txBody>
@@ -1594,8 +1594,8 @@
         </p:nvSpPr>
         <p:spPr>
           <a:xfrm>
-            <a:off x="4645025" y="1535113"/>
-            <a:ext cx="4041775" cy="639762"/>
+            <a:off x="4645026" y="1151335"/>
+            <a:ext cx="4041775" cy="479822"/>
           </a:xfrm>
         </p:spPr>
         <p:txBody>
@@ -1659,8 +1659,8 @@
         </p:nvSpPr>
         <p:spPr>
           <a:xfrm>
-            <a:off x="4645025" y="2174875"/>
-            <a:ext cx="4041775" cy="3951288"/>
+            <a:off x="4645026" y="1631156"/>
+            <a:ext cx="4041775" cy="2963466"/>
           </a:xfrm>
         </p:spPr>
         <p:txBody>
@@ -1750,7 +1750,7 @@
             <a:fld id="{B0B73D1D-ADB7-4076-8664-45AF167DA4E3}" type="datetimeFigureOut">
               <a:rPr lang="en-US" smtClean="0"/>
               <a:pPr/>
-              <a:t>2/10/2018</a:t>
+              <a:t>10/10/2019</a:t>
             </a:fld>
             <a:endParaRPr lang="en-US"/>
           </a:p>
@@ -1865,7 +1865,7 @@
             <a:fld id="{B0B73D1D-ADB7-4076-8664-45AF167DA4E3}" type="datetimeFigureOut">
               <a:rPr lang="en-US" smtClean="0"/>
               <a:pPr/>
-              <a:t>2/10/2018</a:t>
+              <a:t>10/10/2019</a:t>
             </a:fld>
             <a:endParaRPr lang="en-US"/>
           </a:p>
@@ -1957,7 +1957,7 @@
             <a:fld id="{B0B73D1D-ADB7-4076-8664-45AF167DA4E3}" type="datetimeFigureOut">
               <a:rPr lang="en-US" smtClean="0"/>
               <a:pPr/>
-              <a:t>2/10/2018</a:t>
+              <a:t>10/10/2019</a:t>
             </a:fld>
             <a:endParaRPr lang="en-US"/>
           </a:p>
@@ -2043,8 +2043,8 @@
         </p:nvSpPr>
         <p:spPr>
           <a:xfrm>
-            <a:off x="457200" y="273050"/>
-            <a:ext cx="3008313" cy="1162050"/>
+            <a:off x="457201" y="204787"/>
+            <a:ext cx="3008313" cy="871538"/>
           </a:xfrm>
         </p:spPr>
         <p:txBody>
@@ -2075,8 +2075,8 @@
         </p:nvSpPr>
         <p:spPr>
           <a:xfrm>
-            <a:off x="3575050" y="273050"/>
-            <a:ext cx="5111750" cy="5853113"/>
+            <a:off x="3575050" y="204788"/>
+            <a:ext cx="5111750" cy="4389835"/>
           </a:xfrm>
         </p:spPr>
         <p:txBody>
@@ -2160,8 +2160,8 @@
         </p:nvSpPr>
         <p:spPr>
           <a:xfrm>
-            <a:off x="457200" y="1435100"/>
-            <a:ext cx="3008313" cy="4691063"/>
+            <a:off x="457201" y="1076326"/>
+            <a:ext cx="3008313" cy="3518297"/>
           </a:xfrm>
         </p:spPr>
         <p:txBody>
@@ -2231,7 +2231,7 @@
             <a:fld id="{B0B73D1D-ADB7-4076-8664-45AF167DA4E3}" type="datetimeFigureOut">
               <a:rPr lang="en-US" smtClean="0"/>
               <a:pPr/>
-              <a:t>2/10/2018</a:t>
+              <a:t>10/10/2019</a:t>
             </a:fld>
             <a:endParaRPr lang="en-US"/>
           </a:p>
@@ -2317,8 +2317,8 @@
         </p:nvSpPr>
         <p:spPr>
           <a:xfrm>
-            <a:off x="1792288" y="4800600"/>
-            <a:ext cx="5486400" cy="566738"/>
+            <a:off x="1792288" y="3600450"/>
+            <a:ext cx="5486400" cy="425054"/>
           </a:xfrm>
         </p:spPr>
         <p:txBody>
@@ -2349,8 +2349,8 @@
         </p:nvSpPr>
         <p:spPr>
           <a:xfrm>
-            <a:off x="1792288" y="612775"/>
-            <a:ext cx="5486400" cy="4114800"/>
+            <a:off x="1792288" y="459581"/>
+            <a:ext cx="5486400" cy="3086100"/>
           </a:xfrm>
         </p:spPr>
         <p:txBody>
@@ -2414,8 +2414,8 @@
         </p:nvSpPr>
         <p:spPr>
           <a:xfrm>
-            <a:off x="1792288" y="5367338"/>
-            <a:ext cx="5486400" cy="804862"/>
+            <a:off x="1792288" y="4025503"/>
+            <a:ext cx="5486400" cy="603647"/>
           </a:xfrm>
         </p:spPr>
         <p:txBody>
@@ -2485,7 +2485,7 @@
             <a:fld id="{B0B73D1D-ADB7-4076-8664-45AF167DA4E3}" type="datetimeFigureOut">
               <a:rPr lang="en-US" smtClean="0"/>
               <a:pPr/>
-              <a:t>2/10/2018</a:t>
+              <a:t>10/10/2019</a:t>
             </a:fld>
             <a:endParaRPr lang="en-US"/>
           </a:p>
@@ -2581,8 +2581,8 @@
         </p:nvSpPr>
         <p:spPr>
           <a:xfrm>
-            <a:off x="457200" y="274638"/>
-            <a:ext cx="8229600" cy="1143000"/>
+            <a:off x="457200" y="205979"/>
+            <a:ext cx="8229600" cy="857250"/>
           </a:xfrm>
           <a:prstGeom prst="rect">
             <a:avLst/>
@@ -2614,8 +2614,8 @@
         </p:nvSpPr>
         <p:spPr>
           <a:xfrm>
-            <a:off x="457200" y="1600200"/>
-            <a:ext cx="8229600" cy="4525963"/>
+            <a:off x="457200" y="1200151"/>
+            <a:ext cx="8229600" cy="3394472"/>
           </a:xfrm>
           <a:prstGeom prst="rect">
             <a:avLst/>
@@ -2676,8 +2676,8 @@
         </p:nvSpPr>
         <p:spPr>
           <a:xfrm>
-            <a:off x="457200" y="6356350"/>
-            <a:ext cx="2133600" cy="365125"/>
+            <a:off x="457200" y="4767263"/>
+            <a:ext cx="2133600" cy="273844"/>
           </a:xfrm>
           <a:prstGeom prst="rect">
             <a:avLst/>
@@ -2700,7 +2700,7 @@
             <a:fld id="{B0B73D1D-ADB7-4076-8664-45AF167DA4E3}" type="datetimeFigureOut">
               <a:rPr lang="en-US" smtClean="0"/>
               <a:pPr/>
-              <a:t>2/10/2018</a:t>
+              <a:t>10/10/2019</a:t>
             </a:fld>
             <a:endParaRPr lang="en-US"/>
           </a:p>
@@ -2718,8 +2718,8 @@
         </p:nvSpPr>
         <p:spPr>
           <a:xfrm>
-            <a:off x="3124200" y="6356350"/>
-            <a:ext cx="2895600" cy="365125"/>
+            <a:off x="3124200" y="4767263"/>
+            <a:ext cx="2895600" cy="273844"/>
           </a:xfrm>
           <a:prstGeom prst="rect">
             <a:avLst/>
@@ -2755,8 +2755,8 @@
         </p:nvSpPr>
         <p:spPr>
           <a:xfrm>
-            <a:off x="6553200" y="6356350"/>
-            <a:ext cx="2133600" cy="365125"/>
+            <a:off x="6553200" y="4767263"/>
+            <a:ext cx="2133600" cy="273844"/>
           </a:xfrm>
           <a:prstGeom prst="rect">
             <a:avLst/>
@@ -3083,11 +3083,13 @@
         </p:nvSpPr>
         <p:spPr/>
         <p:txBody>
-          <a:bodyPr/>
-          <a:lstStyle/>
-          <a:p>
-            <a:r>
-              <a:rPr lang="zh-TW" altLang="en-US" b="1" dirty="0" smtClean="0">
+          <a:bodyPr>
+            <a:normAutofit/>
+          </a:bodyPr>
+          <a:lstStyle/>
+          <a:p>
+            <a:r>
+              <a:rPr lang="zh-TW" altLang="en-US" sz="4000" b="1" dirty="0" smtClean="0">
                 <a:solidFill>
                   <a:srgbClr val="000066"/>
                 </a:solidFill>
@@ -3096,7 +3098,7 @@
               </a:rPr>
               <a:t>有一天</a:t>
             </a:r>
-            <a:endParaRPr lang="en-US" b="1" dirty="0">
+            <a:endParaRPr lang="en-US" sz="4000" b="1" dirty="0">
               <a:solidFill>
                 <a:srgbClr val="000066"/>
               </a:solidFill>
@@ -3119,7 +3121,7 @@
         <p:spPr/>
         <p:txBody>
           <a:bodyPr>
-            <a:normAutofit/>
+            <a:noAutofit/>
           </a:bodyPr>
           <a:lstStyle/>
           <a:p>
@@ -3127,7 +3129,7 @@
               <a:buNone/>
             </a:pPr>
             <a:r>
-              <a:rPr lang="zh-TW" altLang="en-US" sz="5400" b="1" dirty="0">
+              <a:rPr lang="zh-TW" altLang="en-US" sz="4800" b="1" dirty="0">
                 <a:solidFill>
                   <a:srgbClr val="000066"/>
                 </a:solidFill>
@@ -3137,7 +3139,7 @@
               <a:t>有一天 你若覺得失去勇</a:t>
             </a:r>
             <a:r>
-              <a:rPr lang="zh-TW" altLang="en-US" sz="5400" b="1" dirty="0" smtClean="0">
+              <a:rPr lang="zh-TW" altLang="en-US" sz="4800" b="1" dirty="0" smtClean="0">
                 <a:solidFill>
                   <a:srgbClr val="000066"/>
                 </a:solidFill>
@@ -3146,7 +3148,7 @@
               </a:rPr>
               <a:t>氣</a:t>
             </a:r>
-            <a:endParaRPr lang="en-US" altLang="zh-TW" sz="5400" b="1" dirty="0">
+            <a:endParaRPr lang="en-US" altLang="zh-TW" sz="4800" b="1" dirty="0">
               <a:solidFill>
                 <a:srgbClr val="000066"/>
               </a:solidFill>
@@ -3159,7 +3161,7 @@
               <a:buNone/>
             </a:pPr>
             <a:r>
-              <a:rPr lang="zh-TW" altLang="en-US" sz="5400" b="1" dirty="0" smtClean="0">
+              <a:rPr lang="zh-TW" altLang="en-US" sz="4800" b="1" dirty="0" smtClean="0">
                 <a:solidFill>
                   <a:srgbClr val="000066"/>
                 </a:solidFill>
@@ -3169,7 +3171,7 @@
               <a:t>有</a:t>
             </a:r>
             <a:r>
-              <a:rPr lang="zh-TW" altLang="en-US" sz="5400" b="1" dirty="0">
+              <a:rPr lang="zh-TW" altLang="en-US" sz="4800" b="1" dirty="0">
                 <a:solidFill>
                   <a:srgbClr val="000066"/>
                 </a:solidFill>
@@ -3179,7 +3181,7 @@
               <a:t>一天 你若真的想放</a:t>
             </a:r>
             <a:r>
-              <a:rPr lang="zh-TW" altLang="en-US" sz="5400" b="1" dirty="0" smtClean="0">
+              <a:rPr lang="zh-TW" altLang="en-US" sz="4800" b="1" dirty="0" smtClean="0">
                 <a:solidFill>
                   <a:srgbClr val="000066"/>
                 </a:solidFill>
@@ -3188,7 +3190,7 @@
               </a:rPr>
               <a:t>棄</a:t>
             </a:r>
-            <a:endParaRPr lang="en-US" altLang="zh-TW" sz="5400" b="1" dirty="0">
+            <a:endParaRPr lang="en-US" altLang="zh-TW" sz="4800" b="1" dirty="0">
               <a:solidFill>
                 <a:srgbClr val="000066"/>
               </a:solidFill>
@@ -3201,7 +3203,7 @@
               <a:buNone/>
             </a:pPr>
             <a:r>
-              <a:rPr lang="zh-TW" altLang="en-US" sz="5400" b="1" dirty="0" smtClean="0">
+              <a:rPr lang="zh-TW" altLang="en-US" sz="4800" b="1" dirty="0" smtClean="0">
                 <a:solidFill>
                   <a:srgbClr val="000066"/>
                 </a:solidFill>
@@ -3211,7 +3213,7 @@
               <a:t>有</a:t>
             </a:r>
             <a:r>
-              <a:rPr lang="zh-TW" altLang="en-US" sz="5400" b="1" dirty="0">
+              <a:rPr lang="zh-TW" altLang="en-US" sz="4800" b="1" dirty="0">
                 <a:solidFill>
                   <a:srgbClr val="000066"/>
                 </a:solidFill>
@@ -3221,7 +3223,7 @@
               <a:t>一天 你若感覺沒人愛</a:t>
             </a:r>
             <a:r>
-              <a:rPr lang="zh-TW" altLang="en-US" sz="5400" b="1" dirty="0" smtClean="0">
+              <a:rPr lang="zh-TW" altLang="en-US" sz="4800" b="1" dirty="0" smtClean="0">
                 <a:solidFill>
                   <a:srgbClr val="000066"/>
                 </a:solidFill>
@@ -3230,7 +3232,7 @@
               </a:rPr>
               <a:t>你</a:t>
             </a:r>
-            <a:endParaRPr lang="en-US" altLang="zh-TW" sz="5400" b="1" dirty="0">
+            <a:endParaRPr lang="en-US" altLang="zh-TW" sz="4800" b="1" dirty="0">
               <a:solidFill>
                 <a:srgbClr val="000066"/>
               </a:solidFill>
@@ -3243,7 +3245,7 @@
               <a:buNone/>
             </a:pPr>
             <a:r>
-              <a:rPr lang="zh-TW" altLang="en-US" sz="5400" b="1" dirty="0" smtClean="0">
+              <a:rPr lang="zh-TW" altLang="en-US" sz="4800" b="1" dirty="0" smtClean="0">
                 <a:solidFill>
                   <a:srgbClr val="000066"/>
                 </a:solidFill>
@@ -3253,7 +3255,7 @@
               <a:t>有</a:t>
             </a:r>
             <a:r>
-              <a:rPr lang="zh-TW" altLang="en-US" sz="5400" b="1" dirty="0">
+              <a:rPr lang="zh-TW" altLang="en-US" sz="4800" b="1" dirty="0">
                 <a:solidFill>
                   <a:srgbClr val="000066"/>
                 </a:solidFill>
@@ -3262,7 +3264,7 @@
               </a:rPr>
               <a:t>一天 好像走到谷底</a:t>
             </a:r>
-            <a:endParaRPr lang="en-US" sz="5400" b="1" dirty="0">
+            <a:endParaRPr lang="en-US" sz="4800" b="1" dirty="0">
               <a:solidFill>
                 <a:srgbClr val="000066"/>
               </a:solidFill>
@@ -3309,11 +3311,13 @@
         </p:nvSpPr>
         <p:spPr/>
         <p:txBody>
-          <a:bodyPr/>
-          <a:lstStyle/>
-          <a:p>
-            <a:r>
-              <a:rPr lang="zh-TW" altLang="en-US" b="1" dirty="0" smtClean="0">
+          <a:bodyPr>
+            <a:normAutofit/>
+          </a:bodyPr>
+          <a:lstStyle/>
+          <a:p>
+            <a:r>
+              <a:rPr lang="zh-TW" altLang="en-US" sz="4000" b="1" dirty="0">
                 <a:solidFill>
                   <a:srgbClr val="000066"/>
                 </a:solidFill>
@@ -3322,7 +3326,7 @@
               </a:rPr>
               <a:t>有一天</a:t>
             </a:r>
-            <a:endParaRPr lang="en-US" b="1" dirty="0">
+            <a:endParaRPr lang="en-US" sz="4000" b="1" dirty="0">
               <a:solidFill>
                 <a:srgbClr val="000066"/>
               </a:solidFill>
@@ -3345,7 +3349,7 @@
         <p:spPr/>
         <p:txBody>
           <a:bodyPr>
-            <a:normAutofit/>
+            <a:noAutofit/>
           </a:bodyPr>
           <a:lstStyle/>
           <a:p>
@@ -3353,7 +3357,7 @@
               <a:buNone/>
             </a:pPr>
             <a:r>
-              <a:rPr lang="zh-TW" altLang="en-US" sz="5400" b="1" dirty="0">
+              <a:rPr lang="zh-TW" altLang="en-US" sz="4800" b="1" dirty="0">
                 <a:solidFill>
                   <a:srgbClr val="000066"/>
                 </a:solidFill>
@@ -3363,7 +3367,7 @@
               <a:t>那一天 你要振作你的心</a:t>
             </a:r>
             <a:r>
-              <a:rPr lang="zh-TW" altLang="en-US" sz="5400" b="1" dirty="0" smtClean="0">
+              <a:rPr lang="zh-TW" altLang="en-US" sz="4800" b="1" dirty="0">
                 <a:solidFill>
                   <a:srgbClr val="000066"/>
                 </a:solidFill>
@@ -3372,7 +3376,7 @@
               </a:rPr>
               <a:t>情</a:t>
             </a:r>
-            <a:endParaRPr lang="en-US" altLang="zh-TW" sz="5400" b="1" dirty="0">
+            <a:endParaRPr lang="en-US" altLang="zh-TW" sz="4800" b="1" dirty="0">
               <a:solidFill>
                 <a:srgbClr val="000066"/>
               </a:solidFill>
@@ -3385,7 +3389,7 @@
               <a:buNone/>
             </a:pPr>
             <a:r>
-              <a:rPr lang="zh-TW" altLang="en-US" sz="5400" b="1" dirty="0" smtClean="0">
+              <a:rPr lang="zh-TW" altLang="en-US" sz="4800" b="1" dirty="0">
                 <a:solidFill>
                   <a:srgbClr val="000066"/>
                 </a:solidFill>
@@ -3395,7 +3399,7 @@
               <a:t>那</a:t>
             </a:r>
             <a:r>
-              <a:rPr lang="zh-TW" altLang="en-US" sz="5400" b="1" dirty="0">
+              <a:rPr lang="zh-TW" altLang="en-US" sz="4800" b="1" dirty="0">
                 <a:solidFill>
                   <a:srgbClr val="000066"/>
                 </a:solidFill>
@@ -3405,7 +3409,7 @@
               <a:t>一天 你要珍惜你自</a:t>
             </a:r>
             <a:r>
-              <a:rPr lang="zh-TW" altLang="en-US" sz="5400" b="1" dirty="0" smtClean="0">
+              <a:rPr lang="zh-TW" altLang="en-US" sz="4800" b="1" dirty="0">
                 <a:solidFill>
                   <a:srgbClr val="000066"/>
                 </a:solidFill>
@@ -3414,7 +3418,7 @@
               </a:rPr>
               <a:t>己</a:t>
             </a:r>
-            <a:endParaRPr lang="en-US" altLang="zh-TW" sz="5400" b="1" dirty="0">
+            <a:endParaRPr lang="en-US" altLang="zh-TW" sz="4800" b="1" dirty="0">
               <a:solidFill>
                 <a:srgbClr val="000066"/>
               </a:solidFill>
@@ -3427,7 +3431,7 @@
               <a:buNone/>
             </a:pPr>
             <a:r>
-              <a:rPr lang="zh-TW" altLang="en-US" sz="5400" b="1" dirty="0" smtClean="0">
+              <a:rPr lang="zh-TW" altLang="en-US" sz="4800" b="1" dirty="0">
                 <a:solidFill>
                   <a:srgbClr val="000066"/>
                 </a:solidFill>
@@ -3437,7 +3441,7 @@
               <a:t>那</a:t>
             </a:r>
             <a:r>
-              <a:rPr lang="zh-TW" altLang="en-US" sz="5400" b="1" dirty="0">
+              <a:rPr lang="zh-TW" altLang="en-US" sz="4800" b="1" dirty="0">
                 <a:solidFill>
                   <a:srgbClr val="000066"/>
                 </a:solidFill>
@@ -3447,7 +3451,7 @@
               <a:t>一天 不要忘記有人愛</a:t>
             </a:r>
             <a:r>
-              <a:rPr lang="zh-TW" altLang="en-US" sz="5400" b="1" dirty="0" smtClean="0">
+              <a:rPr lang="zh-TW" altLang="en-US" sz="4800" b="1" dirty="0">
                 <a:solidFill>
                   <a:srgbClr val="000066"/>
                 </a:solidFill>
@@ -3456,7 +3460,7 @@
               </a:rPr>
               <a:t>你</a:t>
             </a:r>
-            <a:endParaRPr lang="en-US" altLang="zh-TW" sz="5400" b="1" dirty="0">
+            <a:endParaRPr lang="en-US" altLang="zh-TW" sz="4800" b="1" dirty="0">
               <a:solidFill>
                 <a:srgbClr val="000066"/>
               </a:solidFill>
@@ -3469,7 +3473,7 @@
               <a:buNone/>
             </a:pPr>
             <a:r>
-              <a:rPr lang="zh-TW" altLang="en-US" sz="5400" b="1" dirty="0" smtClean="0">
+              <a:rPr lang="zh-TW" altLang="en-US" sz="4800" b="1" dirty="0">
                 <a:solidFill>
                   <a:srgbClr val="000066"/>
                 </a:solidFill>
@@ -3479,7 +3483,7 @@
               <a:t>那</a:t>
             </a:r>
             <a:r>
-              <a:rPr lang="zh-TW" altLang="en-US" sz="5400" b="1" dirty="0">
+              <a:rPr lang="zh-TW" altLang="en-US" sz="4800" b="1" dirty="0">
                 <a:solidFill>
                   <a:srgbClr val="000066"/>
                 </a:solidFill>
@@ -3488,7 +3492,7 @@
               </a:rPr>
               <a:t>一天 不要輕易說放棄</a:t>
             </a:r>
-            <a:endParaRPr lang="en-US" sz="5400" b="1" dirty="0">
+            <a:endParaRPr lang="en-US" sz="4800" b="1" dirty="0">
               <a:solidFill>
                 <a:srgbClr val="000066"/>
               </a:solidFill>
@@ -3535,11 +3539,13 @@
         </p:nvSpPr>
         <p:spPr/>
         <p:txBody>
-          <a:bodyPr/>
-          <a:lstStyle/>
-          <a:p>
-            <a:r>
-              <a:rPr lang="zh-TW" altLang="en-US" b="1" dirty="0" smtClean="0">
+          <a:bodyPr>
+            <a:normAutofit/>
+          </a:bodyPr>
+          <a:lstStyle/>
+          <a:p>
+            <a:r>
+              <a:rPr lang="zh-TW" altLang="en-US" sz="4000" b="1" dirty="0">
                 <a:solidFill>
                   <a:srgbClr val="000066"/>
                 </a:solidFill>
@@ -3548,7 +3554,7 @@
               </a:rPr>
               <a:t>有一天</a:t>
             </a:r>
-            <a:endParaRPr lang="en-US" b="1" dirty="0">
+            <a:endParaRPr lang="en-US" sz="4000" b="1" dirty="0">
               <a:solidFill>
                 <a:srgbClr val="000066"/>
               </a:solidFill>
@@ -3571,7 +3577,7 @@
         <p:spPr/>
         <p:txBody>
           <a:bodyPr>
-            <a:normAutofit/>
+            <a:noAutofit/>
           </a:bodyPr>
           <a:lstStyle/>
           <a:p>
@@ -3579,7 +3585,7 @@
               <a:buNone/>
             </a:pPr>
             <a:r>
-              <a:rPr lang="zh-TW" altLang="en-US" sz="5400" b="1" dirty="0">
+              <a:rPr lang="zh-TW" altLang="en-US" sz="4800" b="1" dirty="0">
                 <a:solidFill>
                   <a:srgbClr val="000066"/>
                 </a:solidFill>
@@ -3589,7 +3595,7 @@
               <a:t>這個世界真有一位上</a:t>
             </a:r>
             <a:r>
-              <a:rPr lang="zh-TW" altLang="en-US" sz="5400" b="1" dirty="0" smtClean="0">
+              <a:rPr lang="zh-TW" altLang="en-US" sz="4800" b="1" dirty="0">
                 <a:solidFill>
                   <a:srgbClr val="000066"/>
                 </a:solidFill>
@@ -3598,7 +3604,7 @@
               </a:rPr>
               <a:t>帝</a:t>
             </a:r>
-            <a:endParaRPr lang="en-US" altLang="zh-TW" sz="5400" b="1" dirty="0">
+            <a:endParaRPr lang="en-US" altLang="zh-TW" sz="4800" b="1" dirty="0">
               <a:solidFill>
                 <a:srgbClr val="000066"/>
               </a:solidFill>
@@ -3611,7 +3617,7 @@
               <a:buNone/>
             </a:pPr>
             <a:r>
-              <a:rPr lang="zh-TW" altLang="en-US" sz="5400" b="1" dirty="0" smtClean="0">
+              <a:rPr lang="zh-TW" altLang="en-US" sz="4800" b="1" dirty="0">
                 <a:solidFill>
                   <a:srgbClr val="000066"/>
                 </a:solidFill>
@@ -3621,7 +3627,7 @@
               <a:t>祂</a:t>
             </a:r>
             <a:r>
-              <a:rPr lang="zh-TW" altLang="en-US" sz="5400" b="1" dirty="0">
+              <a:rPr lang="zh-TW" altLang="en-US" sz="4800" b="1" dirty="0">
                 <a:solidFill>
                   <a:srgbClr val="000066"/>
                 </a:solidFill>
@@ -3631,7 +3637,7 @@
               <a:t>愛你 祂願意幫助</a:t>
             </a:r>
             <a:r>
-              <a:rPr lang="zh-TW" altLang="en-US" sz="5400" b="1" dirty="0" smtClean="0">
+              <a:rPr lang="zh-TW" altLang="en-US" sz="4800" b="1" dirty="0">
                 <a:solidFill>
                   <a:srgbClr val="000066"/>
                 </a:solidFill>
@@ -3640,7 +3646,7 @@
               </a:rPr>
               <a:t>你</a:t>
             </a:r>
-            <a:endParaRPr lang="en-US" altLang="zh-TW" sz="5400" b="1" dirty="0">
+            <a:endParaRPr lang="en-US" altLang="zh-TW" sz="4800" b="1" dirty="0">
               <a:solidFill>
                 <a:srgbClr val="000066"/>
               </a:solidFill>
@@ -3653,7 +3659,7 @@
               <a:buNone/>
             </a:pPr>
             <a:r>
-              <a:rPr lang="zh-TW" altLang="en-US" sz="5400" b="1" dirty="0" smtClean="0">
+              <a:rPr lang="zh-TW" altLang="en-US" sz="4800" b="1" dirty="0">
                 <a:solidFill>
                   <a:srgbClr val="000066"/>
                 </a:solidFill>
@@ -3663,7 +3669,7 @@
               <a:t>茫</a:t>
             </a:r>
             <a:r>
-              <a:rPr lang="zh-TW" altLang="en-US" sz="5400" b="1" dirty="0">
+              <a:rPr lang="zh-TW" altLang="en-US" sz="4800" b="1" dirty="0">
                 <a:solidFill>
                   <a:srgbClr val="000066"/>
                 </a:solidFill>
@@ -3673,7 +3679,7 @@
               <a:t>茫人海 雖然寂</a:t>
             </a:r>
             <a:r>
-              <a:rPr lang="zh-TW" altLang="en-US" sz="5400" b="1" dirty="0" smtClean="0">
+              <a:rPr lang="zh-TW" altLang="en-US" sz="4800" b="1" dirty="0">
                 <a:solidFill>
                   <a:srgbClr val="000066"/>
                 </a:solidFill>
@@ -3682,7 +3688,7 @@
               </a:rPr>
               <a:t>寞</a:t>
             </a:r>
-            <a:endParaRPr lang="en-US" altLang="zh-TW" sz="5400" b="1" dirty="0">
+            <a:endParaRPr lang="en-US" altLang="zh-TW" sz="4800" b="1" dirty="0">
               <a:solidFill>
                 <a:srgbClr val="000066"/>
               </a:solidFill>
@@ -3695,7 +3701,7 @@
               <a:buNone/>
             </a:pPr>
             <a:r>
-              <a:rPr lang="zh-TW" altLang="en-US" sz="5400" b="1" dirty="0" smtClean="0">
+              <a:rPr lang="zh-TW" altLang="en-US" sz="4800" b="1" dirty="0">
                 <a:solidFill>
                   <a:srgbClr val="000066"/>
                 </a:solidFill>
@@ -3705,7 +3711,7 @@
               <a:t>祂</a:t>
             </a:r>
             <a:r>
-              <a:rPr lang="zh-TW" altLang="en-US" sz="5400" b="1" dirty="0">
+              <a:rPr lang="zh-TW" altLang="en-US" sz="4800" b="1" dirty="0">
                 <a:solidFill>
                   <a:srgbClr val="000066"/>
                 </a:solidFill>
@@ -3714,7 +3720,7 @@
               </a:rPr>
               <a:t>愛能溫暖一切冷漠</a:t>
             </a:r>
-            <a:endParaRPr lang="en-US" sz="5400" b="1" dirty="0">
+            <a:endParaRPr lang="en-US" sz="4800" b="1" dirty="0">
               <a:solidFill>
                 <a:srgbClr val="000066"/>
               </a:solidFill>
@@ -3761,11 +3767,13 @@
         </p:nvSpPr>
         <p:spPr/>
         <p:txBody>
-          <a:bodyPr/>
-          <a:lstStyle/>
-          <a:p>
-            <a:r>
-              <a:rPr lang="zh-TW" altLang="en-US" b="1" dirty="0" smtClean="0">
+          <a:bodyPr>
+            <a:normAutofit/>
+          </a:bodyPr>
+          <a:lstStyle/>
+          <a:p>
+            <a:r>
+              <a:rPr lang="zh-TW" altLang="en-US" sz="4000" b="1" dirty="0">
                 <a:solidFill>
                   <a:srgbClr val="000066"/>
                 </a:solidFill>
@@ -3774,7 +3782,7 @@
               </a:rPr>
               <a:t>有一天</a:t>
             </a:r>
-            <a:endParaRPr lang="en-US" b="1" dirty="0">
+            <a:endParaRPr lang="en-US" sz="4000" b="1" dirty="0">
               <a:solidFill>
                 <a:srgbClr val="000066"/>
               </a:solidFill>
@@ -3797,7 +3805,7 @@
         <p:spPr/>
         <p:txBody>
           <a:bodyPr>
-            <a:normAutofit/>
+            <a:noAutofit/>
           </a:bodyPr>
           <a:lstStyle/>
           <a:p>
@@ -3805,7 +3813,7 @@
               <a:buNone/>
             </a:pPr>
             <a:r>
-              <a:rPr lang="zh-TW" altLang="en-US" sz="5400" b="1" dirty="0">
+              <a:rPr lang="zh-TW" altLang="en-US" sz="4800" b="1" dirty="0">
                 <a:solidFill>
                   <a:srgbClr val="000066"/>
                 </a:solidFill>
@@ -3815,7 +3823,7 @@
               <a:t>這個世界真有一位上</a:t>
             </a:r>
             <a:r>
-              <a:rPr lang="zh-TW" altLang="en-US" sz="5400" b="1" dirty="0" smtClean="0">
+              <a:rPr lang="zh-TW" altLang="en-US" sz="4800" b="1" dirty="0">
                 <a:solidFill>
                   <a:srgbClr val="000066"/>
                 </a:solidFill>
@@ -3824,7 +3832,7 @@
               </a:rPr>
               <a:t>帝</a:t>
             </a:r>
-            <a:endParaRPr lang="en-US" altLang="zh-TW" sz="5400" b="1" dirty="0">
+            <a:endParaRPr lang="en-US" altLang="zh-TW" sz="4800" b="1" dirty="0">
               <a:solidFill>
                 <a:srgbClr val="000066"/>
               </a:solidFill>
@@ -3837,7 +3845,7 @@
               <a:buNone/>
             </a:pPr>
             <a:r>
-              <a:rPr lang="zh-TW" altLang="en-US" sz="5400" b="1" dirty="0" smtClean="0">
+              <a:rPr lang="zh-TW" altLang="en-US" sz="4800" b="1" dirty="0">
                 <a:solidFill>
                   <a:srgbClr val="000066"/>
                 </a:solidFill>
@@ -3847,7 +3855,7 @@
               <a:t>祂</a:t>
             </a:r>
             <a:r>
-              <a:rPr lang="zh-TW" altLang="en-US" sz="5400" b="1" dirty="0">
+              <a:rPr lang="zh-TW" altLang="en-US" sz="4800" b="1" dirty="0">
                 <a:solidFill>
                   <a:srgbClr val="000066"/>
                 </a:solidFill>
@@ -3857,7 +3865,7 @@
               <a:t>的雙手 渴望緊緊擁抱</a:t>
             </a:r>
             <a:r>
-              <a:rPr lang="zh-TW" altLang="en-US" sz="5400" b="1" dirty="0" smtClean="0">
+              <a:rPr lang="zh-TW" altLang="en-US" sz="4800" b="1" dirty="0">
                 <a:solidFill>
                   <a:srgbClr val="000066"/>
                 </a:solidFill>
@@ -3866,7 +3874,7 @@
               </a:rPr>
               <a:t>你</a:t>
             </a:r>
-            <a:endParaRPr lang="en-US" altLang="zh-TW" sz="5400" b="1" dirty="0">
+            <a:endParaRPr lang="en-US" altLang="zh-TW" sz="4800" b="1" dirty="0">
               <a:solidFill>
                 <a:srgbClr val="000066"/>
               </a:solidFill>
@@ -3879,7 +3887,7 @@
               <a:buNone/>
             </a:pPr>
             <a:r>
-              <a:rPr lang="zh-TW" altLang="en-US" sz="5400" b="1" dirty="0" smtClean="0">
+              <a:rPr lang="zh-TW" altLang="en-US" sz="4800" b="1" dirty="0">
                 <a:solidFill>
                   <a:srgbClr val="000066"/>
                 </a:solidFill>
@@ -3889,7 +3897,7 @@
               <a:t>漫</a:t>
             </a:r>
             <a:r>
-              <a:rPr lang="zh-TW" altLang="en-US" sz="5400" b="1" dirty="0">
+              <a:rPr lang="zh-TW" altLang="en-US" sz="4800" b="1" dirty="0">
                 <a:solidFill>
                   <a:srgbClr val="000066"/>
                 </a:solidFill>
@@ -3899,7 +3907,7 @@
               <a:t>漫長夜 陪你走</a:t>
             </a:r>
             <a:r>
-              <a:rPr lang="zh-TW" altLang="en-US" sz="5400" b="1" dirty="0" smtClean="0">
+              <a:rPr lang="zh-TW" altLang="en-US" sz="4800" b="1" dirty="0">
                 <a:solidFill>
                   <a:srgbClr val="000066"/>
                 </a:solidFill>
@@ -3908,7 +3916,7 @@
               </a:rPr>
               <a:t>過</a:t>
             </a:r>
-            <a:endParaRPr lang="en-US" altLang="zh-TW" sz="5400" b="1" dirty="0">
+            <a:endParaRPr lang="en-US" altLang="zh-TW" sz="4800" b="1" dirty="0">
               <a:solidFill>
                 <a:srgbClr val="000066"/>
               </a:solidFill>
@@ -3921,7 +3929,7 @@
               <a:buNone/>
             </a:pPr>
             <a:r>
-              <a:rPr lang="zh-TW" altLang="en-US" sz="5400" b="1" dirty="0" smtClean="0">
+              <a:rPr lang="zh-TW" altLang="en-US" sz="4800" b="1" dirty="0">
                 <a:solidFill>
                   <a:srgbClr val="000066"/>
                 </a:solidFill>
@@ -3931,7 +3939,7 @@
               <a:t>祂</a:t>
             </a:r>
             <a:r>
-              <a:rPr lang="zh-TW" altLang="en-US" sz="5400" b="1" dirty="0">
+              <a:rPr lang="zh-TW" altLang="en-US" sz="4800" b="1" dirty="0">
                 <a:solidFill>
                   <a:srgbClr val="000066"/>
                 </a:solidFill>
@@ -3940,7 +3948,7 @@
               </a:rPr>
               <a:t>愛你 伴你一生之久</a:t>
             </a:r>
-            <a:endParaRPr lang="en-US" sz="5400" b="1" dirty="0">
+            <a:endParaRPr lang="en-US" sz="4800" b="1" dirty="0">
               <a:solidFill>
                 <a:srgbClr val="000066"/>
               </a:solidFill>
